--- a/Documentation/Projek_Akhir_Kelompok1.docx.pptx
+++ b/Documentation/Projek_Akhir_Kelompok1.docx.pptx
@@ -6315,7 +6315,7 @@
       </p:sp>
       <p:pic>
         <p:nvPicPr>
-          <p:cNvPr id="9" name="Content Placeholder 8"/>
+          <p:cNvPr id="4" name="Content Placeholder 3"/>
           <p:cNvPicPr>
             <a:picLocks noGrp="1" noChangeAspect="1"/>
           </p:cNvPicPr>
@@ -6337,8 +6337,8 @@
         </p:blipFill>
         <p:spPr>
           <a:xfrm>
-            <a:off x="2839122" y="1782591"/>
-            <a:ext cx="6090084" cy="4867498"/>
+            <a:off x="2754288" y="1732984"/>
+            <a:ext cx="6259752" cy="4867498"/>
           </a:xfrm>
         </p:spPr>
       </p:pic>
